--- a/products/health-care/health-apartment/product/working-group/Jan 2022/Health-APT-Working-Group-Agenda 1-5-2022.pptx
+++ b/products/health-care/health-apartment/product/working-group/Jan 2022/Health-APT-Working-Group-Agenda 1-5-2022.pptx
@@ -280,7 +280,7 @@
       </p15:sldGuideLst>
     </p:ext>
     <p:ext uri="http://customooxmlschemas.google.com/">
-      <go:slidesCustomData xmlns:go="http://customooxmlschemas.google.com/" xmlns:ahyp="http://schemas.microsoft.com/office/drawing/2018/hyperlinkcolor" xmlns:p15="http://schemas.microsoft.com/office/powerpoint/2012/main" xmlns:p14="http://schemas.microsoft.com/office/powerpoint/2010/main" xmlns:com="http://schemas.openxmlformats.org/drawingml/2006/compatibility" xmlns:pvml="urn:schemas-microsoft-com:office:powerpoint" xmlns:v="urn:schemas-microsoft-com:vml" xmlns:o="urn:schemas-microsoft-com:office:office" xmlns:dgm="http://schemas.openxmlformats.org/drawingml/2006/diagram" xmlns:c="http://schemas.openxmlformats.org/drawingml/2006/chart" xmlns:mv="urn:schemas-microsoft-com:mac:vml" xmlns:mc="http://schemas.openxmlformats.org/markup-compatibility/2006" xmlns="" r:id="rId33" roundtripDataSignature="AMtx7mg3SRGQVvBdlulH8bE7vne3Lv1T8A=="/>
+      <go:slidesCustomData xmlns:go="http://customooxmlschemas.google.com/" xmlns:ahyp="http://schemas.microsoft.com/office/drawing/2018/hyperlinkcolor" xmlns:p15="http://schemas.microsoft.com/office/powerpoint/2012/main" xmlns:p14="http://schemas.microsoft.com/office/powerpoint/2010/main" xmlns:com="http://schemas.openxmlformats.org/drawingml/2006/compatibility" xmlns:pvml="urn:schemas-microsoft-com:office:powerpoint" xmlns:v="urn:schemas-microsoft-com:vml" xmlns:o="urn:schemas-microsoft-com:office:office" xmlns:dgm="http://schemas.openxmlformats.org/drawingml/2006/diagram" xmlns:c="http://schemas.openxmlformats.org/drawingml/2006/chart" xmlns:mv="urn:schemas-microsoft-com:mac:vml" xmlns:mc="http://schemas.openxmlformats.org/markup-compatibility/2006" xmlns="" r:id="rId30" roundtripDataSignature="AMtx7miEWkxbp5RDSmqqB+6mHc5obqSLWw=="/>
     </p:ext>
   </p:extLst>
 </p:presentation>
@@ -289,27 +289,141 @@
 <file path=ppt/changesInfos/changesInfo1.xml><?xml version="1.0" encoding="utf-8"?>
 <pc:chgInfo xmlns:a="http://schemas.openxmlformats.org/drawingml/2006/main" xmlns:r="http://schemas.openxmlformats.org/officeDocument/2006/relationships" xmlns:ac="http://schemas.microsoft.com/office/drawing/2013/main/command" xmlns:pc="http://schemas.microsoft.com/office/powerpoint/2013/main/command">
   <pc:docChgLst>
-    <pc:chgData name="Tami Corson" userId="17b03132-2f21-4edf-a2df-f25c30f43233" providerId="ADAL" clId="{FB96A49C-F3FA-4D11-9CF1-27B08FDB328D}"/>
-    <pc:docChg chg="custSel modSld">
-      <pc:chgData name="Tami Corson" userId="17b03132-2f21-4edf-a2df-f25c30f43233" providerId="ADAL" clId="{FB96A49C-F3FA-4D11-9CF1-27B08FDB328D}" dt="2021-12-11T01:13:29.226" v="72" actId="478"/>
+    <pc:chgData name="Tami Corson" userId="17b03132-2f21-4edf-a2df-f25c30f43233" providerId="ADAL" clId="{92EC0572-0D10-47BA-BC4C-B128FA585791}"/>
+    <pc:docChg chg="delSld">
+      <pc:chgData name="Tami Corson" userId="17b03132-2f21-4edf-a2df-f25c30f43233" providerId="ADAL" clId="{92EC0572-0D10-47BA-BC4C-B128FA585791}" dt="2021-12-12T01:49:18.236" v="13" actId="47"/>
       <pc:docMkLst>
         <pc:docMk/>
       </pc:docMkLst>
-      <pc:sldChg chg="delSp modSp mod">
-        <pc:chgData name="Tami Corson" userId="17b03132-2f21-4edf-a2df-f25c30f43233" providerId="ADAL" clId="{FB96A49C-F3FA-4D11-9CF1-27B08FDB328D}" dt="2021-12-11T01:13:29.226" v="72" actId="478"/>
+      <pc:sldChg chg="del">
+        <pc:chgData name="Tami Corson" userId="17b03132-2f21-4edf-a2df-f25c30f43233" providerId="ADAL" clId="{92EC0572-0D10-47BA-BC4C-B128FA585791}" dt="2021-12-12T01:49:03.089" v="0" actId="47"/>
         <pc:sldMkLst>
           <pc:docMk/>
-          <pc:sldMk cId="0" sldId="257"/>
+          <pc:sldMk cId="0" sldId="256"/>
         </pc:sldMkLst>
-        <pc:spChg chg="del mod">
-          <ac:chgData name="Tami Corson" userId="17b03132-2f21-4edf-a2df-f25c30f43233" providerId="ADAL" clId="{FB96A49C-F3FA-4D11-9CF1-27B08FDB328D}" dt="2021-12-11T01:13:29.226" v="72" actId="478"/>
-          <ac:spMkLst>
+      </pc:sldChg>
+      <pc:sldChg chg="del">
+        <pc:chgData name="Tami Corson" userId="17b03132-2f21-4edf-a2df-f25c30f43233" providerId="ADAL" clId="{92EC0572-0D10-47BA-BC4C-B128FA585791}" dt="2021-12-12T01:49:06.420" v="1" actId="47"/>
+        <pc:sldMkLst>
+          <pc:docMk/>
+          <pc:sldMk cId="0" sldId="258"/>
+        </pc:sldMkLst>
+      </pc:sldChg>
+      <pc:sldChg chg="del">
+        <pc:chgData name="Tami Corson" userId="17b03132-2f21-4edf-a2df-f25c30f43233" providerId="ADAL" clId="{92EC0572-0D10-47BA-BC4C-B128FA585791}" dt="2021-12-12T01:49:07.699" v="2" actId="47"/>
+        <pc:sldMkLst>
+          <pc:docMk/>
+          <pc:sldMk cId="0" sldId="259"/>
+        </pc:sldMkLst>
+      </pc:sldChg>
+      <pc:sldChg chg="del">
+        <pc:chgData name="Tami Corson" userId="17b03132-2f21-4edf-a2df-f25c30f43233" providerId="ADAL" clId="{92EC0572-0D10-47BA-BC4C-B128FA585791}" dt="2021-12-12T01:49:11.377" v="3" actId="47"/>
+        <pc:sldMkLst>
+          <pc:docMk/>
+          <pc:sldMk cId="0" sldId="260"/>
+        </pc:sldMkLst>
+      </pc:sldChg>
+      <pc:sldChg chg="del">
+        <pc:chgData name="Tami Corson" userId="17b03132-2f21-4edf-a2df-f25c30f43233" providerId="ADAL" clId="{92EC0572-0D10-47BA-BC4C-B128FA585791}" dt="2021-12-12T01:49:12.009" v="4" actId="47"/>
+        <pc:sldMkLst>
+          <pc:docMk/>
+          <pc:sldMk cId="0" sldId="261"/>
+        </pc:sldMkLst>
+      </pc:sldChg>
+      <pc:sldChg chg="del">
+        <pc:chgData name="Tami Corson" userId="17b03132-2f21-4edf-a2df-f25c30f43233" providerId="ADAL" clId="{92EC0572-0D10-47BA-BC4C-B128FA585791}" dt="2021-12-12T01:49:12.617" v="5" actId="47"/>
+        <pc:sldMkLst>
+          <pc:docMk/>
+          <pc:sldMk cId="0" sldId="262"/>
+        </pc:sldMkLst>
+      </pc:sldChg>
+      <pc:sldChg chg="del">
+        <pc:chgData name="Tami Corson" userId="17b03132-2f21-4edf-a2df-f25c30f43233" providerId="ADAL" clId="{92EC0572-0D10-47BA-BC4C-B128FA585791}" dt="2021-12-12T01:49:13.171" v="6" actId="47"/>
+        <pc:sldMkLst>
+          <pc:docMk/>
+          <pc:sldMk cId="0" sldId="263"/>
+        </pc:sldMkLst>
+      </pc:sldChg>
+      <pc:sldChg chg="del">
+        <pc:chgData name="Tami Corson" userId="17b03132-2f21-4edf-a2df-f25c30f43233" providerId="ADAL" clId="{92EC0572-0D10-47BA-BC4C-B128FA585791}" dt="2021-12-12T01:49:13.680" v="7" actId="47"/>
+        <pc:sldMkLst>
+          <pc:docMk/>
+          <pc:sldMk cId="0" sldId="264"/>
+        </pc:sldMkLst>
+      </pc:sldChg>
+      <pc:sldChg chg="del">
+        <pc:chgData name="Tami Corson" userId="17b03132-2f21-4edf-a2df-f25c30f43233" providerId="ADAL" clId="{92EC0572-0D10-47BA-BC4C-B128FA585791}" dt="2021-12-12T01:49:14.190" v="8" actId="47"/>
+        <pc:sldMkLst>
+          <pc:docMk/>
+          <pc:sldMk cId="0" sldId="265"/>
+        </pc:sldMkLst>
+      </pc:sldChg>
+      <pc:sldChg chg="del">
+        <pc:chgData name="Tami Corson" userId="17b03132-2f21-4edf-a2df-f25c30f43233" providerId="ADAL" clId="{92EC0572-0D10-47BA-BC4C-B128FA585791}" dt="2021-12-12T01:49:15.128" v="9" actId="47"/>
+        <pc:sldMkLst>
+          <pc:docMk/>
+          <pc:sldMk cId="0" sldId="266"/>
+        </pc:sldMkLst>
+      </pc:sldChg>
+      <pc:sldChg chg="del">
+        <pc:chgData name="Tami Corson" userId="17b03132-2f21-4edf-a2df-f25c30f43233" providerId="ADAL" clId="{92EC0572-0D10-47BA-BC4C-B128FA585791}" dt="2021-12-12T01:49:16.067" v="10" actId="47"/>
+        <pc:sldMkLst>
+          <pc:docMk/>
+          <pc:sldMk cId="0" sldId="267"/>
+        </pc:sldMkLst>
+      </pc:sldChg>
+      <pc:sldChg chg="del">
+        <pc:chgData name="Tami Corson" userId="17b03132-2f21-4edf-a2df-f25c30f43233" providerId="ADAL" clId="{92EC0572-0D10-47BA-BC4C-B128FA585791}" dt="2021-12-12T01:49:17.022" v="11" actId="47"/>
+        <pc:sldMkLst>
+          <pc:docMk/>
+          <pc:sldMk cId="0" sldId="268"/>
+        </pc:sldMkLst>
+      </pc:sldChg>
+      <pc:sldChg chg="del">
+        <pc:chgData name="Tami Corson" userId="17b03132-2f21-4edf-a2df-f25c30f43233" providerId="ADAL" clId="{92EC0572-0D10-47BA-BC4C-B128FA585791}" dt="2021-12-12T01:49:17.620" v="12" actId="47"/>
+        <pc:sldMkLst>
+          <pc:docMk/>
+          <pc:sldMk cId="0" sldId="269"/>
+        </pc:sldMkLst>
+      </pc:sldChg>
+      <pc:sldChg chg="del">
+        <pc:chgData name="Tami Corson" userId="17b03132-2f21-4edf-a2df-f25c30f43233" providerId="ADAL" clId="{92EC0572-0D10-47BA-BC4C-B128FA585791}" dt="2021-12-12T01:49:18.236" v="13" actId="47"/>
+        <pc:sldMkLst>
+          <pc:docMk/>
+          <pc:sldMk cId="0" sldId="270"/>
+        </pc:sldMkLst>
+      </pc:sldChg>
+      <pc:sldMasterChg chg="delSldLayout">
+        <pc:chgData name="Tami Corson" userId="17b03132-2f21-4edf-a2df-f25c30f43233" providerId="ADAL" clId="{92EC0572-0D10-47BA-BC4C-B128FA585791}" dt="2021-12-12T01:49:18.236" v="13" actId="47"/>
+        <pc:sldMasterMkLst>
+          <pc:docMk/>
+          <pc:sldMasterMk cId="0" sldId="2147483648"/>
+        </pc:sldMasterMkLst>
+        <pc:sldLayoutChg chg="del">
+          <pc:chgData name="Tami Corson" userId="17b03132-2f21-4edf-a2df-f25c30f43233" providerId="ADAL" clId="{92EC0572-0D10-47BA-BC4C-B128FA585791}" dt="2021-12-12T01:49:03.089" v="0" actId="47"/>
+          <pc:sldLayoutMkLst>
             <pc:docMk/>
-            <pc:sldMk cId="0" sldId="257"/>
-            <ac:spMk id="282" creationId="{00000000-0000-0000-0000-000000000000}"/>
-          </ac:spMkLst>
-        </pc:spChg>
-      </pc:sldChg>
+            <pc:sldMasterMk cId="0" sldId="2147483648"/>
+            <pc:sldLayoutMk cId="0" sldId="2147483649"/>
+          </pc:sldLayoutMkLst>
+        </pc:sldLayoutChg>
+        <pc:sldLayoutChg chg="del">
+          <pc:chgData name="Tami Corson" userId="17b03132-2f21-4edf-a2df-f25c30f43233" providerId="ADAL" clId="{92EC0572-0D10-47BA-BC4C-B128FA585791}" dt="2021-12-12T01:49:17.022" v="11" actId="47"/>
+          <pc:sldLayoutMkLst>
+            <pc:docMk/>
+            <pc:sldMasterMk cId="0" sldId="2147483648"/>
+            <pc:sldLayoutMk cId="0" sldId="2147483651"/>
+          </pc:sldLayoutMkLst>
+        </pc:sldLayoutChg>
+        <pc:sldLayoutChg chg="del">
+          <pc:chgData name="Tami Corson" userId="17b03132-2f21-4edf-a2df-f25c30f43233" providerId="ADAL" clId="{92EC0572-0D10-47BA-BC4C-B128FA585791}" dt="2021-12-12T01:49:18.236" v="13" actId="47"/>
+          <pc:sldLayoutMkLst>
+            <pc:docMk/>
+            <pc:sldMasterMk cId="0" sldId="2147483648"/>
+            <pc:sldLayoutMk cId="0" sldId="2147483652"/>
+          </pc:sldLayoutMkLst>
+        </pc:sldLayoutChg>
+      </pc:sldMasterChg>
     </pc:docChg>
   </pc:docChgLst>
 </pc:chgInfo>
@@ -43933,10 +44047,10 @@
               <a:buNone/>
             </a:pPr>
             <a:r>
-              <a:rPr lang="en-US" dirty="0"/>
+              <a:rPr lang="en-US"/>
               <a:t>Agenda </a:t>
             </a:r>
-            <a:endParaRPr dirty="0"/>
+            <a:endParaRPr/>
           </a:p>
         </p:txBody>
       </p:sp>
@@ -43952,7 +44066,7 @@
         </p:nvSpPr>
         <p:spPr>
           <a:xfrm>
-            <a:off x="457200" y="1168199"/>
+            <a:off x="457200" y="1463040"/>
             <a:ext cx="8229600" cy="3352800"/>
           </a:xfrm>
           <a:prstGeom prst="rect">
@@ -43992,7 +44106,11 @@
               <a:rPr lang="en-US" sz="1600"/>
               <a:t>Project and team introduction </a:t>
             </a:r>
-            <a:endParaRPr/>
+            <a:endParaRPr sz="1600">
+              <a:solidFill>
+                <a:srgbClr val="A2A3A4"/>
+              </a:solidFill>
+            </a:endParaRPr>
           </a:p>
           <a:p>
             <a:pPr marL="228600" lvl="0" indent="-177800" algn="l" rtl="0">
@@ -44010,7 +44128,7 @@
             </a:pPr>
             <a:r>
               <a:rPr lang="en-US" sz="1600"/>
-              <a:t>Team introduction </a:t>
+              <a:t>PoC definition and timeline </a:t>
             </a:r>
             <a:endParaRPr sz="1600">
               <a:solidFill>
@@ -44034,31 +44152,7 @@
             </a:pPr>
             <a:r>
               <a:rPr lang="en-US" sz="1600"/>
-              <a:t>Health Apartment POC </a:t>
-            </a:r>
-            <a:endParaRPr sz="1600">
-              <a:solidFill>
-                <a:srgbClr val="A2A3A4"/>
-              </a:solidFill>
-            </a:endParaRPr>
-          </a:p>
-          <a:p>
-            <a:pPr marL="228600" lvl="0" indent="-177800" algn="l" rtl="0">
-              <a:lnSpc>
-                <a:spcPct val="100000"/>
-              </a:lnSpc>
-              <a:spcBef>
-                <a:spcPts val="0"/>
-              </a:spcBef>
-              <a:spcAft>
-                <a:spcPts val="0"/>
-              </a:spcAft>
-              <a:buSzPts val="1600"/>
-              <a:buChar char="•"/>
-            </a:pPr>
-            <a:r>
-              <a:rPr lang="en-US" sz="1600"/>
-              <a:t>Sitemap review</a:t>
+              <a:t>Sitemap</a:t>
             </a:r>
             <a:endParaRPr sz="1600"/>
           </a:p>
@@ -44078,7 +44172,26 @@
             </a:pPr>
             <a:r>
               <a:rPr lang="en-US" sz="1600"/>
-              <a:t>Homepage designs </a:t>
+              <a:t>Homepage designs</a:t>
+            </a:r>
+            <a:endParaRPr sz="1600"/>
+          </a:p>
+          <a:p>
+            <a:pPr marL="0" lvl="0" indent="0" algn="l" rtl="0">
+              <a:lnSpc>
+                <a:spcPct val="100000"/>
+              </a:lnSpc>
+              <a:spcBef>
+                <a:spcPts val="0"/>
+              </a:spcBef>
+              <a:spcAft>
+                <a:spcPts val="0"/>
+              </a:spcAft>
+              <a:buNone/>
+            </a:pPr>
+            <a:r>
+              <a:rPr lang="en-US" sz="1600"/>
+              <a:t> </a:t>
             </a:r>
             <a:endParaRPr/>
           </a:p>
@@ -44118,7 +44231,7 @@
             <a:endParaRPr sz="1600"/>
           </a:p>
           <a:p>
-            <a:pPr marL="0" lvl="0" indent="0" algn="l" rtl="0">
+            <a:pPr marL="0" lvl="0" indent="457200" algn="l" rtl="0">
               <a:lnSpc>
                 <a:spcPct val="100000"/>
               </a:lnSpc>
@@ -44132,10 +44245,10 @@
               <a:buNone/>
             </a:pPr>
             <a:r>
-              <a:rPr lang="en-US" sz="1600"/>
+              <a:rPr lang="en-US" sz="1600" i="1"/>
               <a:t>During presentation we will pause for Q&amp;A we also invite our guests to sign into our mural to add comments as we go.</a:t>
             </a:r>
-            <a:endParaRPr sz="1600">
+            <a:endParaRPr sz="1600" i="1">
               <a:solidFill>
                 <a:srgbClr val="A2A3A4"/>
               </a:solidFill>
@@ -44233,6 +44346,59 @@
           </a:p>
         </p:txBody>
       </p:sp>
+      <p:sp>
+        <p:nvSpPr>
+          <p:cNvPr id="282" name="Google Shape;282;p3"/>
+          <p:cNvSpPr txBox="1">
+            <a:spLocks noGrp="1"/>
+          </p:cNvSpPr>
+          <p:nvPr>
+            <p:ph type="body" idx="2"/>
+          </p:nvPr>
+        </p:nvSpPr>
+        <p:spPr>
+          <a:xfrm>
+            <a:off x="457200" y="247650"/>
+            <a:ext cx="8229600" cy="266700"/>
+          </a:xfrm>
+          <a:prstGeom prst="rect">
+            <a:avLst/>
+          </a:prstGeom>
+          <a:noFill/>
+          <a:ln>
+            <a:noFill/>
+          </a:ln>
+        </p:spPr>
+        <p:txBody>
+          <a:bodyPr spcFirstLastPara="1" wrap="square" lIns="91425" tIns="45700" rIns="91425" bIns="45700" anchor="t" anchorCtr="0">
+            <a:noAutofit/>
+          </a:bodyPr>
+          <a:lstStyle/>
+          <a:p>
+            <a:pPr marL="0" lvl="0" indent="0" algn="l" rtl="0">
+              <a:lnSpc>
+                <a:spcPct val="120000"/>
+              </a:lnSpc>
+              <a:spcBef>
+                <a:spcPts val="0"/>
+              </a:spcBef>
+              <a:spcAft>
+                <a:spcPts val="0"/>
+              </a:spcAft>
+              <a:buClr>
+                <a:schemeClr val="lt2"/>
+              </a:buClr>
+              <a:buSzPts val="1200"/>
+              <a:buNone/>
+            </a:pPr>
+            <a:r>
+              <a:rPr lang="en-US"/>
+              <a:t>INTRODUCTION</a:t>
+            </a:r>
+            <a:endParaRPr/>
+          </a:p>
+        </p:txBody>
+      </p:sp>
       <p:pic>
         <p:nvPicPr>
           <p:cNvPr id="283" name="Google Shape;283;p3"/>
@@ -44248,7 +44414,7 @@
         </p:blipFill>
         <p:spPr>
           <a:xfrm>
-            <a:off x="6767312" y="4354914"/>
+            <a:off x="6808087" y="4385514"/>
             <a:ext cx="1919475" cy="487261"/>
           </a:xfrm>
           <a:prstGeom prst="rect">
